--- a/_project_docs/SSE19_SPP_PROP.pptx
+++ b/_project_docs/SSE19_SPP_PROP.pptx
@@ -706,7 +706,7 @@
           <a:p>
             <a:fld id="{0D8B9427-5D87-47BE-9054-CBA43456A494}" type="datetimeFigureOut">
               <a:rPr lang="en-US" smtClean="0"/>
-              <a:t>7/31/2019</a:t>
+              <a:t>8/8/2019</a:t>
             </a:fld>
             <a:endParaRPr lang="en-US"/>
           </a:p>
@@ -1073,7 +1073,7 @@
           <a:p>
             <a:fld id="{7F75AC96-A94A-4EFA-941E-629D90B07DCA}" type="datetime1">
               <a:rPr lang="en-US" smtClean="0"/>
-              <a:t>7/31/2019</a:t>
+              <a:t>8/8/2019</a:t>
             </a:fld>
             <a:endParaRPr lang="en-US"/>
           </a:p>
@@ -1333,7 +1333,7 @@
           <a:p>
             <a:fld id="{28E4DD02-D83E-44E1-80AC-24211E449872}" type="datetime1">
               <a:rPr lang="en-US" smtClean="0"/>
-              <a:t>7/31/2019</a:t>
+              <a:t>8/8/2019</a:t>
             </a:fld>
             <a:endParaRPr lang="en-US"/>
           </a:p>
@@ -1516,7 +1516,7 @@
           <a:p>
             <a:fld id="{590FE29C-B157-422F-859A-F7FD9925C6DF}" type="datetime1">
               <a:rPr lang="en-US" smtClean="0"/>
-              <a:t>7/31/2019</a:t>
+              <a:t>8/8/2019</a:t>
             </a:fld>
             <a:endParaRPr lang="en-US"/>
           </a:p>
@@ -1723,7 +1723,7 @@
           <a:p>
             <a:fld id="{222956B9-1B7A-4E93-9BE8-9CF9797C4FD7}" type="datetime1">
               <a:rPr lang="en-US" smtClean="0"/>
-              <a:t>7/31/2019</a:t>
+              <a:t>8/8/2019</a:t>
             </a:fld>
             <a:endParaRPr lang="en-US"/>
           </a:p>
@@ -1970,7 +1970,7 @@
           <a:p>
             <a:fld id="{8FDDA07A-1414-433F-ADDC-DE4F1632CEFF}" type="datetime1">
               <a:rPr lang="en-US" smtClean="0"/>
-              <a:t>7/31/2019</a:t>
+              <a:t>8/8/2019</a:t>
             </a:fld>
             <a:endParaRPr lang="en-US"/>
           </a:p>
@@ -2240,7 +2240,7 @@
           <a:p>
             <a:fld id="{C161D7E4-125A-491A-B64A-68E3AAF44881}" type="datetime1">
               <a:rPr lang="en-US" smtClean="0"/>
-              <a:t>7/31/2019</a:t>
+              <a:t>8/8/2019</a:t>
             </a:fld>
             <a:endParaRPr lang="en-US"/>
           </a:p>
@@ -2610,7 +2610,7 @@
           <a:p>
             <a:fld id="{E93B6C20-D5C7-41C5-835F-A26A10E62B70}" type="datetime1">
               <a:rPr lang="en-US" smtClean="0"/>
-              <a:t>7/31/2019</a:t>
+              <a:t>8/8/2019</a:t>
             </a:fld>
             <a:endParaRPr lang="en-US"/>
           </a:p>
@@ -2731,7 +2731,7 @@
           <a:p>
             <a:fld id="{F81CF918-D074-42BD-A4E5-DD0AF41FF4EE}" type="datetime1">
               <a:rPr lang="en-US" smtClean="0"/>
-              <a:t>7/31/2019</a:t>
+              <a:t>8/8/2019</a:t>
             </a:fld>
             <a:endParaRPr lang="en-US"/>
           </a:p>
@@ -2829,7 +2829,7 @@
           <a:p>
             <a:fld id="{15A562FF-6C83-42DE-BF95-A92876B6113C}" type="datetime1">
               <a:rPr lang="en-US" smtClean="0"/>
-              <a:t>7/31/2019</a:t>
+              <a:t>8/8/2019</a:t>
             </a:fld>
             <a:endParaRPr lang="en-US"/>
           </a:p>
@@ -3109,7 +3109,7 @@
           <a:p>
             <a:fld id="{F02CB1CA-7C10-41BE-A92E-7F4C24728A0D}" type="datetime1">
               <a:rPr lang="en-US" smtClean="0"/>
-              <a:t>7/31/2019</a:t>
+              <a:t>8/8/2019</a:t>
             </a:fld>
             <a:endParaRPr lang="en-US"/>
           </a:p>
@@ -3369,7 +3369,7 @@
           <a:p>
             <a:fld id="{3AB9CFE2-B171-479F-BCEB-D30A7B549DEF}" type="datetime1">
               <a:rPr lang="en-US" smtClean="0"/>
-              <a:t>7/31/2019</a:t>
+              <a:t>8/8/2019</a:t>
             </a:fld>
             <a:endParaRPr lang="en-US"/>
           </a:p>
@@ -3583,7 +3583,7 @@
           <a:p>
             <a:fld id="{97F6FE54-B6C4-45BE-83AA-BC975090FA7A}" type="datetime1">
               <a:rPr lang="en-US" smtClean="0"/>
-              <a:t>7/31/2019</a:t>
+              <a:t>8/8/2019</a:t>
             </a:fld>
             <a:endParaRPr lang="en-US"/>
           </a:p>
@@ -15023,10 +15023,10 @@
       </p:sp>
       <p:pic>
         <p:nvPicPr>
-          <p:cNvPr id="10" name="Graphic 9" descr="Bar chart">
-            <a:extLst>
-              <a:ext uri="{FF2B5EF4-FFF2-40B4-BE49-F238E27FC236}">
-                <a16:creationId xmlns:a16="http://schemas.microsoft.com/office/drawing/2014/main" id="{64283DEB-8B57-4E39-8098-6425DD370131}"/>
+          <p:cNvPr id="39" name="Graphic 38" descr="Bar chart">
+            <a:extLst>
+              <a:ext uri="{FF2B5EF4-FFF2-40B4-BE49-F238E27FC236}">
+                <a16:creationId xmlns:a16="http://schemas.microsoft.com/office/drawing/2014/main" id="{5B22FE78-907D-4B07-81E5-22B542200680}"/>
               </a:ext>
             </a:extLst>
           </p:cNvPr>
@@ -15062,10 +15062,10 @@
       </p:pic>
       <p:pic>
         <p:nvPicPr>
-          <p:cNvPr id="12" name="Graphic 11" descr="Research">
-            <a:extLst>
-              <a:ext uri="{FF2B5EF4-FFF2-40B4-BE49-F238E27FC236}">
-                <a16:creationId xmlns:a16="http://schemas.microsoft.com/office/drawing/2014/main" id="{0BBFFBBF-19C2-4637-89A9-06531808415D}"/>
+          <p:cNvPr id="45" name="Graphic 44" descr="Research">
+            <a:extLst>
+              <a:ext uri="{FF2B5EF4-FFF2-40B4-BE49-F238E27FC236}">
+                <a16:creationId xmlns:a16="http://schemas.microsoft.com/office/drawing/2014/main" id="{9C50D4A8-F198-44EF-9431-9D033E918E84}"/>
               </a:ext>
             </a:extLst>
           </p:cNvPr>
@@ -15101,10 +15101,10 @@
       </p:pic>
       <p:pic>
         <p:nvPicPr>
-          <p:cNvPr id="16" name="Graphic 15" descr="Pie chart">
-            <a:extLst>
-              <a:ext uri="{FF2B5EF4-FFF2-40B4-BE49-F238E27FC236}">
-                <a16:creationId xmlns:a16="http://schemas.microsoft.com/office/drawing/2014/main" id="{01683750-ECA1-4513-B13F-2507496675D2}"/>
+          <p:cNvPr id="46" name="Graphic 45" descr="Pie chart">
+            <a:extLst>
+              <a:ext uri="{FF2B5EF4-FFF2-40B4-BE49-F238E27FC236}">
+                <a16:creationId xmlns:a16="http://schemas.microsoft.com/office/drawing/2014/main" id="{16AB61D6-F137-4035-B1D1-593746FAEB51}"/>
               </a:ext>
             </a:extLst>
           </p:cNvPr>
@@ -15140,10 +15140,10 @@
       </p:pic>
       <p:pic>
         <p:nvPicPr>
-          <p:cNvPr id="18" name="Graphic 17" descr="Map with pin">
-            <a:extLst>
-              <a:ext uri="{FF2B5EF4-FFF2-40B4-BE49-F238E27FC236}">
-                <a16:creationId xmlns:a16="http://schemas.microsoft.com/office/drawing/2014/main" id="{7B9D079A-8A7E-4A4D-87AE-707B1F844AD4}"/>
+          <p:cNvPr id="47" name="Graphic 46" descr="Map with pin">
+            <a:extLst>
+              <a:ext uri="{FF2B5EF4-FFF2-40B4-BE49-F238E27FC236}">
+                <a16:creationId xmlns:a16="http://schemas.microsoft.com/office/drawing/2014/main" id="{94A08CD6-855C-493E-ADA2-4ABCC909F368}"/>
               </a:ext>
             </a:extLst>
           </p:cNvPr>
@@ -15169,7 +15169,7 @@
         </p:blipFill>
         <p:spPr>
           <a:xfrm>
-            <a:off x="11601450" y="4765811"/>
+            <a:off x="8790917" y="5879788"/>
             <a:ext cx="914400" cy="914400"/>
           </a:xfrm>
           <a:prstGeom prst="rect">
@@ -15179,10 +15179,10 @@
       </p:pic>
       <p:pic>
         <p:nvPicPr>
-          <p:cNvPr id="20" name="Graphic 19" descr="Heart with pulse">
-            <a:extLst>
-              <a:ext uri="{FF2B5EF4-FFF2-40B4-BE49-F238E27FC236}">
-                <a16:creationId xmlns:a16="http://schemas.microsoft.com/office/drawing/2014/main" id="{84EC3CBD-B321-47B1-9780-AEFB997A0073}"/>
+          <p:cNvPr id="48" name="Graphic 47" descr="Heart with pulse">
+            <a:extLst>
+              <a:ext uri="{FF2B5EF4-FFF2-40B4-BE49-F238E27FC236}">
+                <a16:creationId xmlns:a16="http://schemas.microsoft.com/office/drawing/2014/main" id="{D9056723-7971-4CC5-9AE9-169BF695B97A}"/>
               </a:ext>
             </a:extLst>
           </p:cNvPr>
@@ -15218,10 +15218,10 @@
       </p:pic>
       <p:pic>
         <p:nvPicPr>
-          <p:cNvPr id="22" name="Graphic 21" descr="Smart Phone">
-            <a:extLst>
-              <a:ext uri="{FF2B5EF4-FFF2-40B4-BE49-F238E27FC236}">
-                <a16:creationId xmlns:a16="http://schemas.microsoft.com/office/drawing/2014/main" id="{A65D57A0-A020-4364-81FF-F69F5C70C1B0}"/>
+          <p:cNvPr id="51" name="Graphic 50" descr="Smart Phone">
+            <a:extLst>
+              <a:ext uri="{FF2B5EF4-FFF2-40B4-BE49-F238E27FC236}">
+                <a16:creationId xmlns:a16="http://schemas.microsoft.com/office/drawing/2014/main" id="{F1DDF998-6B54-4C0D-94BB-C5D0B1A789B2}"/>
               </a:ext>
             </a:extLst>
           </p:cNvPr>
@@ -15247,7 +15247,7 @@
         </p:blipFill>
         <p:spPr>
           <a:xfrm>
-            <a:off x="6595662" y="6556707"/>
+            <a:off x="11209923" y="4778631"/>
             <a:ext cx="914400" cy="914400"/>
           </a:xfrm>
           <a:prstGeom prst="rect">
@@ -15257,10 +15257,10 @@
       </p:pic>
       <p:pic>
         <p:nvPicPr>
-          <p:cNvPr id="24" name="Graphic 23" descr="Web cam">
-            <a:extLst>
-              <a:ext uri="{FF2B5EF4-FFF2-40B4-BE49-F238E27FC236}">
-                <a16:creationId xmlns:a16="http://schemas.microsoft.com/office/drawing/2014/main" id="{D8677353-51C6-4ACA-B04F-66AE28CE2C37}"/>
+          <p:cNvPr id="52" name="Graphic 51" descr="Web cam">
+            <a:extLst>
+              <a:ext uri="{FF2B5EF4-FFF2-40B4-BE49-F238E27FC236}">
+                <a16:creationId xmlns:a16="http://schemas.microsoft.com/office/drawing/2014/main" id="{805C3A70-0D0C-4158-9C33-D8AF268CE3B6}"/>
               </a:ext>
             </a:extLst>
           </p:cNvPr>
@@ -15286,7 +15286,7 @@
         </p:blipFill>
         <p:spPr>
           <a:xfrm>
-            <a:off x="10038301" y="5689431"/>
+            <a:off x="9591814" y="2351948"/>
             <a:ext cx="599587" cy="599587"/>
           </a:xfrm>
           <a:prstGeom prst="rect">
@@ -15294,12 +15294,52 @@
           </a:prstGeom>
         </p:spPr>
       </p:pic>
+      <p:sp>
+        <p:nvSpPr>
+          <p:cNvPr id="56" name="TextBox 55">
+            <a:extLst>
+              <a:ext uri="{FF2B5EF4-FFF2-40B4-BE49-F238E27FC236}">
+                <a16:creationId xmlns:a16="http://schemas.microsoft.com/office/drawing/2014/main" id="{FCB8F7C5-0B06-4FFD-B063-268E01078F01}"/>
+              </a:ext>
+            </a:extLst>
+          </p:cNvPr>
+          <p:cNvSpPr txBox="1"/>
+          <p:nvPr/>
+        </p:nvSpPr>
+        <p:spPr>
+          <a:xfrm>
+            <a:off x="3760885" y="2282410"/>
+            <a:ext cx="1630575" cy="369332"/>
+          </a:xfrm>
+          <a:prstGeom prst="rect">
+            <a:avLst/>
+          </a:prstGeom>
+          <a:noFill/>
+        </p:spPr>
+        <p:txBody>
+          <a:bodyPr wrap="none" rtlCol="0">
+            <a:spAutoFit/>
+          </a:bodyPr>
+          <a:lstStyle/>
+          <a:p>
+            <a:r>
+              <a:rPr lang="en-US" altLang="ja-JP" dirty="0"/>
+              <a:t>IoT</a:t>
+            </a:r>
+            <a:r>
+              <a:rPr lang="ja-JP" altLang="en-US" dirty="0"/>
+              <a:t>収集データ</a:t>
+            </a:r>
+            <a:endParaRPr lang="en-US" dirty="0"/>
+          </a:p>
+        </p:txBody>
+      </p:sp>
       <p:pic>
         <p:nvPicPr>
-          <p:cNvPr id="28" name="Picture 27" descr="A close up of a logo&#10;&#10;Description automatically generated">
-            <a:extLst>
-              <a:ext uri="{FF2B5EF4-FFF2-40B4-BE49-F238E27FC236}">
-                <a16:creationId xmlns:a16="http://schemas.microsoft.com/office/drawing/2014/main" id="{9EE935FB-B44F-449A-B9A6-CA99A4B5B935}"/>
+          <p:cNvPr id="57" name="Graphic 56" descr="Browser window">
+            <a:extLst>
+              <a:ext uri="{FF2B5EF4-FFF2-40B4-BE49-F238E27FC236}">
+                <a16:creationId xmlns:a16="http://schemas.microsoft.com/office/drawing/2014/main" id="{A7504722-8BA1-4CE8-8AB8-4F914A5A3E94}"/>
               </a:ext>
             </a:extLst>
           </p:cNvPr>
@@ -15313,6 +15353,9 @@
             <a:extLst>
               <a:ext uri="{28A0092B-C50C-407E-A947-70E740481C1C}">
                 <a14:useLocalDpi xmlns:a14="http://schemas.microsoft.com/office/drawing/2010/main" val="0"/>
+              </a:ext>
+              <a:ext uri="{96DAC541-7B7A-43D3-8B79-37D633B846F1}">
+                <asvg:svgBlip xmlns:asvg="http://schemas.microsoft.com/office/drawing/2016/SVG/main" r:embed="rId17"/>
               </a:ext>
             </a:extLst>
           </a:blip>
@@ -15322,8 +15365,8 @@
         </p:blipFill>
         <p:spPr>
           <a:xfrm>
-            <a:off x="5550218" y="934372"/>
-            <a:ext cx="3481387" cy="3481387"/>
+            <a:off x="400050" y="1371600"/>
+            <a:ext cx="2943225" cy="2943225"/>
           </a:xfrm>
           <a:prstGeom prst="rect">
             <a:avLst/>
@@ -15332,10 +15375,10 @@
       </p:pic>
       <p:sp>
         <p:nvSpPr>
-          <p:cNvPr id="29" name="TextBox 28">
-            <a:extLst>
-              <a:ext uri="{FF2B5EF4-FFF2-40B4-BE49-F238E27FC236}">
-                <a16:creationId xmlns:a16="http://schemas.microsoft.com/office/drawing/2014/main" id="{8D5F844C-DAE1-4D8D-A022-717760BF4D91}"/>
+          <p:cNvPr id="59" name="TextBox 58">
+            <a:extLst>
+              <a:ext uri="{FF2B5EF4-FFF2-40B4-BE49-F238E27FC236}">
+                <a16:creationId xmlns:a16="http://schemas.microsoft.com/office/drawing/2014/main" id="{08A8A4FB-C085-43CE-AAE4-CF40DABE5099}"/>
               </a:ext>
             </a:extLst>
           </p:cNvPr>
@@ -15344,8 +15387,8 @@
         </p:nvSpPr>
         <p:spPr>
           <a:xfrm>
-            <a:off x="3760885" y="2282410"/>
-            <a:ext cx="1630575" cy="369332"/>
+            <a:off x="1125750" y="2487353"/>
+            <a:ext cx="1107996" cy="369332"/>
           </a:xfrm>
           <a:prstGeom prst="rect">
             <a:avLst/>
@@ -15359,85 +15402,6 @@
           <a:lstStyle/>
           <a:p>
             <a:r>
-              <a:rPr lang="en-US" altLang="ja-JP" dirty="0"/>
-              <a:t>IoT</a:t>
-            </a:r>
-            <a:r>
-              <a:rPr lang="ja-JP" altLang="en-US" dirty="0"/>
-              <a:t>収集データ</a:t>
-            </a:r>
-            <a:endParaRPr lang="en-US" dirty="0"/>
-          </a:p>
-        </p:txBody>
-      </p:sp>
-      <p:pic>
-        <p:nvPicPr>
-          <p:cNvPr id="31" name="Graphic 30" descr="Browser window">
-            <a:extLst>
-              <a:ext uri="{FF2B5EF4-FFF2-40B4-BE49-F238E27FC236}">
-                <a16:creationId xmlns:a16="http://schemas.microsoft.com/office/drawing/2014/main" id="{FAA92A5E-B520-43C3-B666-1C77F2058267}"/>
-              </a:ext>
-            </a:extLst>
-          </p:cNvPr>
-          <p:cNvPicPr>
-            <a:picLocks noChangeAspect="1"/>
-          </p:cNvPicPr>
-          <p:nvPr/>
-        </p:nvPicPr>
-        <p:blipFill>
-          <a:blip r:embed="rId17">
-            <a:extLst>
-              <a:ext uri="{28A0092B-C50C-407E-A947-70E740481C1C}">
-                <a14:useLocalDpi xmlns:a14="http://schemas.microsoft.com/office/drawing/2010/main" val="0"/>
-              </a:ext>
-              <a:ext uri="{96DAC541-7B7A-43D3-8B79-37D633B846F1}">
-                <asvg:svgBlip xmlns:asvg="http://schemas.microsoft.com/office/drawing/2016/SVG/main" r:embed="rId18"/>
-              </a:ext>
-            </a:extLst>
-          </a:blip>
-          <a:stretch>
-            <a:fillRect/>
-          </a:stretch>
-        </p:blipFill>
-        <p:spPr>
-          <a:xfrm>
-            <a:off x="400050" y="1371600"/>
-            <a:ext cx="2943225" cy="2943225"/>
-          </a:xfrm>
-          <a:prstGeom prst="rect">
-            <a:avLst/>
-          </a:prstGeom>
-        </p:spPr>
-      </p:pic>
-      <p:sp>
-        <p:nvSpPr>
-          <p:cNvPr id="32" name="TextBox 31">
-            <a:extLst>
-              <a:ext uri="{FF2B5EF4-FFF2-40B4-BE49-F238E27FC236}">
-                <a16:creationId xmlns:a16="http://schemas.microsoft.com/office/drawing/2014/main" id="{33F3FA18-AFD1-4C71-908B-8B4253C651C9}"/>
-              </a:ext>
-            </a:extLst>
-          </p:cNvPr>
-          <p:cNvSpPr txBox="1"/>
-          <p:nvPr/>
-        </p:nvSpPr>
-        <p:spPr>
-          <a:xfrm>
-            <a:off x="1125750" y="2487353"/>
-            <a:ext cx="1107996" cy="369332"/>
-          </a:xfrm>
-          <a:prstGeom prst="rect">
-            <a:avLst/>
-          </a:prstGeom>
-          <a:noFill/>
-        </p:spPr>
-        <p:txBody>
-          <a:bodyPr wrap="none" rtlCol="0">
-            <a:spAutoFit/>
-          </a:bodyPr>
-          <a:lstStyle/>
-          <a:p>
-            <a:r>
               <a:rPr lang="ja-JP" altLang="en-US" dirty="0"/>
               <a:t>見える化</a:t>
             </a:r>
@@ -15447,10 +15411,10 @@
       </p:sp>
       <p:cxnSp>
         <p:nvCxnSpPr>
-          <p:cNvPr id="36" name="Straight Arrow Connector 35">
-            <a:extLst>
-              <a:ext uri="{FF2B5EF4-FFF2-40B4-BE49-F238E27FC236}">
-                <a16:creationId xmlns:a16="http://schemas.microsoft.com/office/drawing/2014/main" id="{56770E8D-65D9-4770-8601-A7344972D3AD}"/>
+          <p:cNvPr id="60" name="Straight Arrow Connector 59">
+            <a:extLst>
+              <a:ext uri="{FF2B5EF4-FFF2-40B4-BE49-F238E27FC236}">
+                <a16:creationId xmlns:a16="http://schemas.microsoft.com/office/drawing/2014/main" id="{C006B66C-0D1C-4D84-B394-06526EF29D62}"/>
               </a:ext>
             </a:extLst>
           </p:cNvPr>
@@ -15486,10 +15450,10 @@
       </p:cxnSp>
       <p:pic>
         <p:nvPicPr>
-          <p:cNvPr id="14" name="Graphic 13" descr="Database">
-            <a:extLst>
-              <a:ext uri="{FF2B5EF4-FFF2-40B4-BE49-F238E27FC236}">
-                <a16:creationId xmlns:a16="http://schemas.microsoft.com/office/drawing/2014/main" id="{42E9A9F2-A22C-4495-B943-780B21C75756}"/>
+          <p:cNvPr id="61" name="Graphic 60" descr="Database">
+            <a:extLst>
+              <a:ext uri="{FF2B5EF4-FFF2-40B4-BE49-F238E27FC236}">
+                <a16:creationId xmlns:a16="http://schemas.microsoft.com/office/drawing/2014/main" id="{0DCA5732-91D0-4F9D-ADB2-A5F207201C17}"/>
               </a:ext>
             </a:extLst>
           </p:cNvPr>
@@ -15499,13 +15463,13 @@
           <p:nvPr/>
         </p:nvPicPr>
         <p:blipFill>
-          <a:blip r:embed="rId19">
+          <a:blip r:embed="rId18">
             <a:extLst>
               <a:ext uri="{28A0092B-C50C-407E-A947-70E740481C1C}">
                 <a14:useLocalDpi xmlns:a14="http://schemas.microsoft.com/office/drawing/2010/main" val="0"/>
               </a:ext>
               <a:ext uri="{96DAC541-7B7A-43D3-8B79-37D633B846F1}">
-                <asvg:svgBlip xmlns:asvg="http://schemas.microsoft.com/office/drawing/2016/SVG/main" r:embed="rId20"/>
+                <asvg:svgBlip xmlns:asvg="http://schemas.microsoft.com/office/drawing/2016/SVG/main" r:embed="rId19"/>
               </a:ext>
             </a:extLst>
           </a:blip>
@@ -15525,10 +15489,10 @@
       </p:pic>
       <p:pic>
         <p:nvPicPr>
-          <p:cNvPr id="37" name="Graphic 36" descr="Programmer">
-            <a:extLst>
-              <a:ext uri="{FF2B5EF4-FFF2-40B4-BE49-F238E27FC236}">
-                <a16:creationId xmlns:a16="http://schemas.microsoft.com/office/drawing/2014/main" id="{66E3C97F-E018-4DC4-B329-026008AADA65}"/>
+          <p:cNvPr id="64" name="Graphic 63" descr="Programmer">
+            <a:extLst>
+              <a:ext uri="{FF2B5EF4-FFF2-40B4-BE49-F238E27FC236}">
+                <a16:creationId xmlns:a16="http://schemas.microsoft.com/office/drawing/2014/main" id="{F14E6EB7-865F-4DCC-A55C-B9522477F8D3}"/>
               </a:ext>
             </a:extLst>
           </p:cNvPr>
@@ -15538,13 +15502,13 @@
           <p:nvPr/>
         </p:nvPicPr>
         <p:blipFill>
-          <a:blip r:embed="rId21">
+          <a:blip r:embed="rId20">
             <a:extLst>
               <a:ext uri="{28A0092B-C50C-407E-A947-70E740481C1C}">
                 <a14:useLocalDpi xmlns:a14="http://schemas.microsoft.com/office/drawing/2010/main" val="0"/>
               </a:ext>
               <a:ext uri="{96DAC541-7B7A-43D3-8B79-37D633B846F1}">
-                <asvg:svgBlip xmlns:asvg="http://schemas.microsoft.com/office/drawing/2016/SVG/main" r:embed="rId22"/>
+                <asvg:svgBlip xmlns:asvg="http://schemas.microsoft.com/office/drawing/2016/SVG/main" r:embed="rId21"/>
               </a:ext>
             </a:extLst>
           </a:blip>
@@ -15554,7 +15518,7 @@
         </p:blipFill>
         <p:spPr>
           <a:xfrm>
-            <a:off x="9031605" y="5369260"/>
+            <a:off x="9789819" y="2293950"/>
             <a:ext cx="1306490" cy="1306490"/>
           </a:xfrm>
           <a:prstGeom prst="rect">
@@ -15564,10 +15528,10 @@
       </p:pic>
       <p:pic>
         <p:nvPicPr>
-          <p:cNvPr id="38" name="Picture 37" descr="A close up of a logo&#10;&#10;Description automatically generated">
-            <a:extLst>
-              <a:ext uri="{FF2B5EF4-FFF2-40B4-BE49-F238E27FC236}">
-                <a16:creationId xmlns:a16="http://schemas.microsoft.com/office/drawing/2014/main" id="{D53FCFC0-4DE3-4007-AFB8-78B276FDDC76}"/>
+          <p:cNvPr id="68" name="Picture 67" descr="A close up of a logo&#10;&#10;Description automatically generated">
+            <a:extLst>
+              <a:ext uri="{FF2B5EF4-FFF2-40B4-BE49-F238E27FC236}">
+                <a16:creationId xmlns:a16="http://schemas.microsoft.com/office/drawing/2014/main" id="{95D8272B-A371-48DA-91DB-277BF0366FE4}"/>
               </a:ext>
             </a:extLst>
           </p:cNvPr>
@@ -15577,7 +15541,7 @@
           <p:nvPr/>
         </p:nvPicPr>
         <p:blipFill>
-          <a:blip r:embed="rId16">
+          <a:blip r:embed="rId22">
             <a:extLst>
               <a:ext uri="{28A0092B-C50C-407E-A947-70E740481C1C}">
                 <a14:useLocalDpi xmlns:a14="http://schemas.microsoft.com/office/drawing/2010/main" val="0"/>
@@ -15600,10 +15564,10 @@
       </p:pic>
       <p:cxnSp>
         <p:nvCxnSpPr>
-          <p:cNvPr id="40" name="Straight Connector 39">
-            <a:extLst>
-              <a:ext uri="{FF2B5EF4-FFF2-40B4-BE49-F238E27FC236}">
-                <a16:creationId xmlns:a16="http://schemas.microsoft.com/office/drawing/2014/main" id="{E3F2CB4A-79BD-4856-88E7-1E3FBB9B9DF0}"/>
+          <p:cNvPr id="69" name="Straight Connector 68">
+            <a:extLst>
+              <a:ext uri="{FF2B5EF4-FFF2-40B4-BE49-F238E27FC236}">
+                <a16:creationId xmlns:a16="http://schemas.microsoft.com/office/drawing/2014/main" id="{638972BB-B09F-48FB-BF72-C58B0BC02D04}"/>
               </a:ext>
             </a:extLst>
           </p:cNvPr>
@@ -15636,10 +15600,10 @@
       </p:cxnSp>
       <p:sp>
         <p:nvSpPr>
-          <p:cNvPr id="41" name="TextBox 40">
-            <a:extLst>
-              <a:ext uri="{FF2B5EF4-FFF2-40B4-BE49-F238E27FC236}">
-                <a16:creationId xmlns:a16="http://schemas.microsoft.com/office/drawing/2014/main" id="{B824603F-2914-4CA8-9A38-301E3FCBB91B}"/>
+          <p:cNvPr id="71" name="TextBox 70">
+            <a:extLst>
+              <a:ext uri="{FF2B5EF4-FFF2-40B4-BE49-F238E27FC236}">
+                <a16:creationId xmlns:a16="http://schemas.microsoft.com/office/drawing/2014/main" id="{E1821137-D033-4043-BB4B-3623F62F87D3}"/>
               </a:ext>
             </a:extLst>
           </p:cNvPr>
@@ -15672,10 +15636,10 @@
       </p:sp>
       <p:pic>
         <p:nvPicPr>
-          <p:cNvPr id="42" name="Picture 41" descr="A close up of a logo&#10;&#10;Description automatically generated">
-            <a:extLst>
-              <a:ext uri="{FF2B5EF4-FFF2-40B4-BE49-F238E27FC236}">
-                <a16:creationId xmlns:a16="http://schemas.microsoft.com/office/drawing/2014/main" id="{BD38E281-D8FB-4A5B-916B-5FB85C06EA35}"/>
+          <p:cNvPr id="72" name="Picture 71" descr="A close up of a logo&#10;&#10;Description automatically generated">
+            <a:extLst>
+              <a:ext uri="{FF2B5EF4-FFF2-40B4-BE49-F238E27FC236}">
+                <a16:creationId xmlns:a16="http://schemas.microsoft.com/office/drawing/2014/main" id="{DC7618B5-EF96-4F43-8C9D-B91998BC4020}"/>
               </a:ext>
             </a:extLst>
           </p:cNvPr>
@@ -15685,7 +15649,7 @@
           <p:nvPr/>
         </p:nvPicPr>
         <p:blipFill>
-          <a:blip r:embed="rId16">
+          <a:blip r:embed="rId22">
             <a:extLst>
               <a:ext uri="{28A0092B-C50C-407E-A947-70E740481C1C}">
                 <a14:useLocalDpi xmlns:a14="http://schemas.microsoft.com/office/drawing/2010/main" val="0"/>
@@ -15698,7 +15662,7 @@
         </p:blipFill>
         <p:spPr>
           <a:xfrm>
-            <a:off x="10258999" y="3972795"/>
+            <a:off x="7392070" y="5078207"/>
             <a:ext cx="1096179" cy="1096179"/>
           </a:xfrm>
           <a:prstGeom prst="rect">
@@ -15708,10 +15672,10 @@
       </p:pic>
       <p:sp>
         <p:nvSpPr>
-          <p:cNvPr id="43" name="TextBox 42">
-            <a:extLst>
-              <a:ext uri="{FF2B5EF4-FFF2-40B4-BE49-F238E27FC236}">
-                <a16:creationId xmlns:a16="http://schemas.microsoft.com/office/drawing/2014/main" id="{214A4900-8305-4817-8D5C-07BC10C2B377}"/>
+          <p:cNvPr id="73" name="TextBox 72">
+            <a:extLst>
+              <a:ext uri="{FF2B5EF4-FFF2-40B4-BE49-F238E27FC236}">
+                <a16:creationId xmlns:a16="http://schemas.microsoft.com/office/drawing/2014/main" id="{BB325E77-7474-4FC1-9A70-E70D85802774}"/>
               </a:ext>
             </a:extLst>
           </p:cNvPr>
@@ -15720,7 +15684,7 @@
         </p:nvSpPr>
         <p:spPr>
           <a:xfrm>
-            <a:off x="10136932" y="3847562"/>
+            <a:off x="7326399" y="4961539"/>
             <a:ext cx="1656223" cy="369332"/>
           </a:xfrm>
           <a:prstGeom prst="rect">
@@ -15744,22 +15708,22 @@
       </p:sp>
       <p:cxnSp>
         <p:nvCxnSpPr>
-          <p:cNvPr id="44" name="Straight Connector 43">
-            <a:extLst>
-              <a:ext uri="{FF2B5EF4-FFF2-40B4-BE49-F238E27FC236}">
-                <a16:creationId xmlns:a16="http://schemas.microsoft.com/office/drawing/2014/main" id="{3D8EE669-74ED-4C45-A332-574CE6BEEBD0}"/>
+          <p:cNvPr id="76" name="Straight Connector 75">
+            <a:extLst>
+              <a:ext uri="{FF2B5EF4-FFF2-40B4-BE49-F238E27FC236}">
+                <a16:creationId xmlns:a16="http://schemas.microsoft.com/office/drawing/2014/main" id="{1CB23CD5-D2C3-4D0B-B474-0A20C900ACBF}"/>
               </a:ext>
             </a:extLst>
           </p:cNvPr>
           <p:cNvCxnSpPr>
             <a:cxnSpLocks/>
-            <a:stCxn id="18" idx="1"/>
+            <a:stCxn id="47" idx="1"/>
           </p:cNvCxnSpPr>
           <p:nvPr/>
         </p:nvCxnSpPr>
         <p:spPr>
           <a:xfrm flipH="1" flipV="1">
-            <a:off x="11201400" y="4850627"/>
+            <a:off x="8390867" y="5964604"/>
             <a:ext cx="400050" cy="372384"/>
           </a:xfrm>
           <a:prstGeom prst="line">
@@ -15783,10 +15747,10 @@
       </p:cxnSp>
       <p:sp>
         <p:nvSpPr>
-          <p:cNvPr id="49" name="Rectangle 48">
-            <a:extLst>
-              <a:ext uri="{FF2B5EF4-FFF2-40B4-BE49-F238E27FC236}">
-                <a16:creationId xmlns:a16="http://schemas.microsoft.com/office/drawing/2014/main" id="{BB4A669B-0B4D-42F8-8463-19AC615DD0E7}"/>
+          <p:cNvPr id="77" name="Rectangle 76">
+            <a:extLst>
+              <a:ext uri="{FF2B5EF4-FFF2-40B4-BE49-F238E27FC236}">
+                <a16:creationId xmlns:a16="http://schemas.microsoft.com/office/drawing/2014/main" id="{160E5725-82AF-4E00-9202-9A013B65E7B5}"/>
               </a:ext>
             </a:extLst>
           </p:cNvPr>
@@ -15837,16 +15801,16 @@
       </p:sp>
       <p:cxnSp>
         <p:nvCxnSpPr>
-          <p:cNvPr id="50" name="Straight Connector 49">
-            <a:extLst>
-              <a:ext uri="{FF2B5EF4-FFF2-40B4-BE49-F238E27FC236}">
-                <a16:creationId xmlns:a16="http://schemas.microsoft.com/office/drawing/2014/main" id="{CEB20B7B-1C6C-47CF-AEDE-A6FDB77BBE45}"/>
+          <p:cNvPr id="78" name="Straight Connector 77">
+            <a:extLst>
+              <a:ext uri="{FF2B5EF4-FFF2-40B4-BE49-F238E27FC236}">
+                <a16:creationId xmlns:a16="http://schemas.microsoft.com/office/drawing/2014/main" id="{0618B22C-C1C7-48CC-8845-F235B385250A}"/>
               </a:ext>
             </a:extLst>
           </p:cNvPr>
           <p:cNvCxnSpPr>
             <a:cxnSpLocks/>
-            <a:endCxn id="49" idx="2"/>
+            <a:endCxn id="77" idx="2"/>
           </p:cNvCxnSpPr>
           <p:nvPr/>
         </p:nvCxnSpPr>
@@ -15876,10 +15840,10 @@
       </p:cxnSp>
       <p:pic>
         <p:nvPicPr>
-          <p:cNvPr id="53" name="Picture 52" descr="A close up of a logo&#10;&#10;Description automatically generated">
-            <a:extLst>
-              <a:ext uri="{FF2B5EF4-FFF2-40B4-BE49-F238E27FC236}">
-                <a16:creationId xmlns:a16="http://schemas.microsoft.com/office/drawing/2014/main" id="{35846970-4E3A-4382-A821-41C3302026E8}"/>
+          <p:cNvPr id="79" name="Picture 78" descr="A close up of a logo&#10;&#10;Description automatically generated">
+            <a:extLst>
+              <a:ext uri="{FF2B5EF4-FFF2-40B4-BE49-F238E27FC236}">
+                <a16:creationId xmlns:a16="http://schemas.microsoft.com/office/drawing/2014/main" id="{504462D2-885C-41EC-98D9-74CA246EB042}"/>
               </a:ext>
             </a:extLst>
           </p:cNvPr>
@@ -15889,7 +15853,7 @@
           <p:nvPr/>
         </p:nvPicPr>
         <p:blipFill>
-          <a:blip r:embed="rId16">
+          <a:blip r:embed="rId22">
             <a:extLst>
               <a:ext uri="{28A0092B-C50C-407E-A947-70E740481C1C}">
                 <a14:useLocalDpi xmlns:a14="http://schemas.microsoft.com/office/drawing/2010/main" val="0"/>
@@ -15902,7 +15866,7 @@
         </p:blipFill>
         <p:spPr>
           <a:xfrm>
-            <a:off x="6670335" y="4502982"/>
+            <a:off x="9718586" y="4763038"/>
             <a:ext cx="1096179" cy="1096179"/>
           </a:xfrm>
           <a:prstGeom prst="rect">
@@ -15912,10 +15876,10 @@
       </p:pic>
       <p:sp>
         <p:nvSpPr>
-          <p:cNvPr id="54" name="TextBox 53">
-            <a:extLst>
-              <a:ext uri="{FF2B5EF4-FFF2-40B4-BE49-F238E27FC236}">
-                <a16:creationId xmlns:a16="http://schemas.microsoft.com/office/drawing/2014/main" id="{A804D14A-6B96-45EF-BA0B-895A94E553A9}"/>
+          <p:cNvPr id="80" name="TextBox 79">
+            <a:extLst>
+              <a:ext uri="{FF2B5EF4-FFF2-40B4-BE49-F238E27FC236}">
+                <a16:creationId xmlns:a16="http://schemas.microsoft.com/office/drawing/2014/main" id="{97215F54-C966-4468-9059-AA2685CE01BD}"/>
               </a:ext>
             </a:extLst>
           </p:cNvPr>
@@ -15924,7 +15888,7 @@
         </p:nvSpPr>
         <p:spPr>
           <a:xfrm>
-            <a:off x="7101252" y="5461594"/>
+            <a:off x="9952612" y="4154269"/>
             <a:ext cx="1242648" cy="646331"/>
           </a:xfrm>
           <a:prstGeom prst="rect">
@@ -15957,23 +15921,23 @@
       </p:sp>
       <p:cxnSp>
         <p:nvCxnSpPr>
-          <p:cNvPr id="55" name="Straight Connector 54">
-            <a:extLst>
-              <a:ext uri="{FF2B5EF4-FFF2-40B4-BE49-F238E27FC236}">
-                <a16:creationId xmlns:a16="http://schemas.microsoft.com/office/drawing/2014/main" id="{30F934BA-7E6B-477C-8346-85990E28FD0A}"/>
+          <p:cNvPr id="81" name="Straight Connector 80">
+            <a:extLst>
+              <a:ext uri="{FF2B5EF4-FFF2-40B4-BE49-F238E27FC236}">
+                <a16:creationId xmlns:a16="http://schemas.microsoft.com/office/drawing/2014/main" id="{B4DAB8C7-02ED-4C6C-B504-7193E38CDBAD}"/>
               </a:ext>
             </a:extLst>
           </p:cNvPr>
           <p:cNvCxnSpPr>
             <a:cxnSpLocks/>
-            <a:stCxn id="22" idx="0"/>
+            <a:stCxn id="51" idx="1"/>
           </p:cNvCxnSpPr>
           <p:nvPr/>
         </p:nvCxnSpPr>
         <p:spPr>
-          <a:xfrm flipV="1">
-            <a:off x="7052862" y="5426883"/>
-            <a:ext cx="0" cy="1129824"/>
+          <a:xfrm flipH="1" flipV="1">
+            <a:off x="10814765" y="5223010"/>
+            <a:ext cx="395158" cy="12821"/>
           </a:xfrm>
           <a:prstGeom prst="line">
             <a:avLst/>
@@ -15996,22 +15960,23 @@
       </p:cxnSp>
       <p:cxnSp>
         <p:nvCxnSpPr>
-          <p:cNvPr id="58" name="Straight Connector 57">
-            <a:extLst>
-              <a:ext uri="{FF2B5EF4-FFF2-40B4-BE49-F238E27FC236}">
-                <a16:creationId xmlns:a16="http://schemas.microsoft.com/office/drawing/2014/main" id="{EEE8B2F0-31F4-465F-B806-0083BA1CF611}"/>
+          <p:cNvPr id="82" name="Straight Connector 81">
+            <a:extLst>
+              <a:ext uri="{FF2B5EF4-FFF2-40B4-BE49-F238E27FC236}">
+                <a16:creationId xmlns:a16="http://schemas.microsoft.com/office/drawing/2014/main" id="{57D6BC88-EB27-4BAE-B7F4-52E51252F07B}"/>
               </a:ext>
             </a:extLst>
           </p:cNvPr>
           <p:cNvCxnSpPr>
             <a:cxnSpLocks/>
+            <a:endCxn id="77" idx="3"/>
           </p:cNvCxnSpPr>
           <p:nvPr/>
         </p:nvCxnSpPr>
         <p:spPr>
-          <a:xfrm flipH="1" flipV="1">
-            <a:off x="7101252" y="3525668"/>
-            <a:ext cx="13178" cy="1276480"/>
+          <a:xfrm flipH="1">
+            <a:off x="7722575" y="2959001"/>
+            <a:ext cx="1850532" cy="232176"/>
           </a:xfrm>
           <a:prstGeom prst="line">
             <a:avLst/>
@@ -16034,10 +15999,10 @@
       </p:cxnSp>
       <p:pic>
         <p:nvPicPr>
-          <p:cNvPr id="62" name="Picture 61" descr="A close up of a logo&#10;&#10;Description automatically generated">
-            <a:extLst>
-              <a:ext uri="{FF2B5EF4-FFF2-40B4-BE49-F238E27FC236}">
-                <a16:creationId xmlns:a16="http://schemas.microsoft.com/office/drawing/2014/main" id="{D37E76A3-4164-4B44-8583-EF73DB776081}"/>
+          <p:cNvPr id="83" name="Picture 82" descr="A close up of a logo&#10;&#10;Description automatically generated">
+            <a:extLst>
+              <a:ext uri="{FF2B5EF4-FFF2-40B4-BE49-F238E27FC236}">
+                <a16:creationId xmlns:a16="http://schemas.microsoft.com/office/drawing/2014/main" id="{6774DFFC-6DFA-45B8-AF91-93EF1D92BEEF}"/>
               </a:ext>
             </a:extLst>
           </p:cNvPr>
@@ -16060,7 +16025,7 @@
         </p:blipFill>
         <p:spPr>
           <a:xfrm>
-            <a:off x="6657229" y="7278281"/>
+            <a:off x="11271490" y="5500205"/>
             <a:ext cx="914401" cy="914401"/>
           </a:xfrm>
           <a:prstGeom prst="rect">
@@ -16070,10 +16035,10 @@
       </p:pic>
       <p:sp>
         <p:nvSpPr>
-          <p:cNvPr id="63" name="TextBox 62">
-            <a:extLst>
-              <a:ext uri="{FF2B5EF4-FFF2-40B4-BE49-F238E27FC236}">
-                <a16:creationId xmlns:a16="http://schemas.microsoft.com/office/drawing/2014/main" id="{FE7856C9-D063-40A5-85EE-558F5029BD70}"/>
+          <p:cNvPr id="84" name="TextBox 83">
+            <a:extLst>
+              <a:ext uri="{FF2B5EF4-FFF2-40B4-BE49-F238E27FC236}">
+                <a16:creationId xmlns:a16="http://schemas.microsoft.com/office/drawing/2014/main" id="{00C76861-DB66-4553-8CB8-A487BAB32BF1}"/>
               </a:ext>
             </a:extLst>
           </p:cNvPr>
@@ -16082,7 +16047,7 @@
         </p:nvSpPr>
         <p:spPr>
           <a:xfrm>
-            <a:off x="6572250" y="7879575"/>
+            <a:off x="10573936" y="6281627"/>
             <a:ext cx="1922770" cy="369332"/>
           </a:xfrm>
           <a:prstGeom prst="rect">
@@ -16109,10 +16074,10 @@
       </p:sp>
       <p:pic>
         <p:nvPicPr>
-          <p:cNvPr id="65" name="Graphic 64" descr="Wi-Fi">
-            <a:extLst>
-              <a:ext uri="{FF2B5EF4-FFF2-40B4-BE49-F238E27FC236}">
-                <a16:creationId xmlns:a16="http://schemas.microsoft.com/office/drawing/2014/main" id="{5237E966-F9A7-4AA4-B44F-4326BCD50D05}"/>
+          <p:cNvPr id="85" name="Graphic 84" descr="Wi-Fi">
+            <a:extLst>
+              <a:ext uri="{FF2B5EF4-FFF2-40B4-BE49-F238E27FC236}">
+                <a16:creationId xmlns:a16="http://schemas.microsoft.com/office/drawing/2014/main" id="{0D62A319-DA4D-4F95-9283-C78AD480E1B6}"/>
               </a:ext>
             </a:extLst>
           </p:cNvPr>
@@ -16138,7 +16103,7 @@
         </p:blipFill>
         <p:spPr>
           <a:xfrm>
-            <a:off x="7180395" y="7119049"/>
+            <a:off x="11794656" y="5340973"/>
             <a:ext cx="542180" cy="542180"/>
           </a:xfrm>
           <a:prstGeom prst="rect">
@@ -16148,10 +16113,10 @@
       </p:pic>
       <p:pic>
         <p:nvPicPr>
-          <p:cNvPr id="66" name="Graphic 65" descr="Smart Phone">
-            <a:extLst>
-              <a:ext uri="{FF2B5EF4-FFF2-40B4-BE49-F238E27FC236}">
-                <a16:creationId xmlns:a16="http://schemas.microsoft.com/office/drawing/2014/main" id="{C9810E17-8E5F-4261-9A10-FF3B770C484F}"/>
+          <p:cNvPr id="86" name="Graphic 85" descr="Smart Phone">
+            <a:extLst>
+              <a:ext uri="{FF2B5EF4-FFF2-40B4-BE49-F238E27FC236}">
+                <a16:creationId xmlns:a16="http://schemas.microsoft.com/office/drawing/2014/main" id="{7C31A575-9A48-40CB-B7BD-0E44CA85A06E}"/>
               </a:ext>
             </a:extLst>
           </p:cNvPr>
@@ -16177,7 +16142,7 @@
         </p:blipFill>
         <p:spPr>
           <a:xfrm>
-            <a:off x="10897978" y="5037503"/>
+            <a:off x="8087445" y="6151480"/>
             <a:ext cx="914400" cy="914400"/>
           </a:xfrm>
           <a:prstGeom prst="rect">
@@ -16187,10 +16152,10 @@
       </p:pic>
       <p:cxnSp>
         <p:nvCxnSpPr>
-          <p:cNvPr id="67" name="Straight Connector 66">
-            <a:extLst>
-              <a:ext uri="{FF2B5EF4-FFF2-40B4-BE49-F238E27FC236}">
-                <a16:creationId xmlns:a16="http://schemas.microsoft.com/office/drawing/2014/main" id="{71378793-0C50-4789-B733-008AAF7678E1}"/>
+          <p:cNvPr id="87" name="Straight Connector 86">
+            <a:extLst>
+              <a:ext uri="{FF2B5EF4-FFF2-40B4-BE49-F238E27FC236}">
+                <a16:creationId xmlns:a16="http://schemas.microsoft.com/office/drawing/2014/main" id="{AD325E68-361A-4D41-B79B-4D659B3F1A9F}"/>
               </a:ext>
             </a:extLst>
           </p:cNvPr>
@@ -16201,8 +16166,8 @@
         </p:nvCxnSpPr>
         <p:spPr>
           <a:xfrm flipH="1" flipV="1">
-            <a:off x="7590685" y="3525669"/>
-            <a:ext cx="1753914" cy="2463555"/>
+            <a:off x="7590685" y="3525670"/>
+            <a:ext cx="2588093" cy="1482169"/>
           </a:xfrm>
           <a:prstGeom prst="line">
             <a:avLst/>
@@ -16225,23 +16190,23 @@
       </p:cxnSp>
       <p:cxnSp>
         <p:nvCxnSpPr>
-          <p:cNvPr id="70" name="Straight Connector 69">
-            <a:extLst>
-              <a:ext uri="{FF2B5EF4-FFF2-40B4-BE49-F238E27FC236}">
-                <a16:creationId xmlns:a16="http://schemas.microsoft.com/office/drawing/2014/main" id="{D5BB3FAB-83D7-4C75-9493-94FD7B67884E}"/>
+          <p:cNvPr id="88" name="Straight Connector 87">
+            <a:extLst>
+              <a:ext uri="{FF2B5EF4-FFF2-40B4-BE49-F238E27FC236}">
+                <a16:creationId xmlns:a16="http://schemas.microsoft.com/office/drawing/2014/main" id="{CAD9B7A4-62E9-4DB2-A3A0-7D8473AD09B2}"/>
               </a:ext>
             </a:extLst>
           </p:cNvPr>
           <p:cNvCxnSpPr>
             <a:cxnSpLocks/>
-            <a:stCxn id="42" idx="1"/>
+            <a:stCxn id="73" idx="0"/>
           </p:cNvCxnSpPr>
           <p:nvPr/>
         </p:nvCxnSpPr>
         <p:spPr>
           <a:xfrm flipH="1" flipV="1">
-            <a:off x="7759805" y="3323409"/>
-            <a:ext cx="2499194" cy="1197476"/>
+            <a:off x="7273988" y="3525668"/>
+            <a:ext cx="880523" cy="1435871"/>
           </a:xfrm>
           <a:prstGeom prst="line">
             <a:avLst/>
@@ -16264,10 +16229,10 @@
       </p:cxnSp>
       <p:pic>
         <p:nvPicPr>
-          <p:cNvPr id="74" name="Graphic 73" descr="User">
-            <a:extLst>
-              <a:ext uri="{FF2B5EF4-FFF2-40B4-BE49-F238E27FC236}">
-                <a16:creationId xmlns:a16="http://schemas.microsoft.com/office/drawing/2014/main" id="{BDAD6BA2-9830-4221-A4B8-318EF7E58EB2}"/>
+          <p:cNvPr id="89" name="Graphic 88" descr="User">
+            <a:extLst>
+              <a:ext uri="{FF2B5EF4-FFF2-40B4-BE49-F238E27FC236}">
+                <a16:creationId xmlns:a16="http://schemas.microsoft.com/office/drawing/2014/main" id="{102B6274-D337-4944-8C5F-F7F869010935}"/>
               </a:ext>
             </a:extLst>
           </p:cNvPr>
@@ -16303,10 +16268,10 @@
       </p:pic>
       <p:sp>
         <p:nvSpPr>
-          <p:cNvPr id="75" name="TextBox 74">
-            <a:extLst>
-              <a:ext uri="{FF2B5EF4-FFF2-40B4-BE49-F238E27FC236}">
-                <a16:creationId xmlns:a16="http://schemas.microsoft.com/office/drawing/2014/main" id="{7FC62A08-D2B7-4E15-B186-7E80A035C774}"/>
+          <p:cNvPr id="90" name="TextBox 89">
+            <a:extLst>
+              <a:ext uri="{FF2B5EF4-FFF2-40B4-BE49-F238E27FC236}">
+                <a16:creationId xmlns:a16="http://schemas.microsoft.com/office/drawing/2014/main" id="{3620793B-FC65-4717-8EBD-C8618701DD8D}"/>
               </a:ext>
             </a:extLst>
           </p:cNvPr>
@@ -16315,8 +16280,8 @@
         </p:nvSpPr>
         <p:spPr>
           <a:xfrm>
-            <a:off x="861101" y="5036819"/>
-            <a:ext cx="3185487" cy="1477328"/>
+            <a:off x="528358" y="5120553"/>
+            <a:ext cx="3889206" cy="1477328"/>
           </a:xfrm>
           <a:prstGeom prst="rect">
             <a:avLst/>
@@ -16331,36 +16296,128 @@
           <a:p>
             <a:r>
               <a:rPr lang="ja-JP" altLang="en-US" dirty="0"/>
-              <a:t>自分の働き方を「見える化」</a:t>
+              <a:t>＜見える化の対象＞</a:t>
             </a:r>
             <a:endParaRPr lang="en-US" altLang="ja-JP" dirty="0"/>
           </a:p>
           <a:p>
+            <a:r>
+              <a:rPr lang="ja-JP" altLang="en-US" dirty="0"/>
+              <a:t>①勤務時間ー生活時間のバランス</a:t>
+            </a:r>
             <a:endParaRPr lang="en-US" altLang="ja-JP" dirty="0"/>
           </a:p>
           <a:p>
             <a:r>
               <a:rPr lang="ja-JP" altLang="en-US" dirty="0"/>
-              <a:t>健康で、安心して、長く</a:t>
+              <a:t>②集中度、</a:t>
+            </a:r>
+            <a:r>
+              <a:rPr lang="en-US" altLang="ja-JP" dirty="0"/>
+              <a:t>PC</a:t>
+            </a:r>
+            <a:r>
+              <a:rPr lang="ja-JP" altLang="en-US" dirty="0"/>
+              <a:t>操作量</a:t>
             </a:r>
             <a:endParaRPr lang="en-US" altLang="ja-JP" dirty="0"/>
           </a:p>
           <a:p>
             <a:r>
               <a:rPr lang="ja-JP" altLang="en-US" dirty="0"/>
-              <a:t>働くために、「働き方」を</a:t>
+              <a:t>③勤務中の</a:t>
+            </a:r>
+            <a:r>
+              <a:rPr lang="en-US" altLang="ja-JP" dirty="0"/>
+              <a:t>PC</a:t>
+            </a:r>
+            <a:r>
+              <a:rPr lang="ja-JP" altLang="en-US" dirty="0"/>
+              <a:t>操作時間、会議時間、</a:t>
             </a:r>
             <a:endParaRPr lang="en-US" altLang="ja-JP" dirty="0"/>
           </a:p>
           <a:p>
             <a:r>
               <a:rPr lang="ja-JP" altLang="en-US" dirty="0"/>
-              <a:t>見直す</a:t>
+              <a:t>　移動時間</a:t>
             </a:r>
             <a:endParaRPr lang="en-US" dirty="0"/>
           </a:p>
         </p:txBody>
       </p:sp>
+      <p:pic>
+        <p:nvPicPr>
+          <p:cNvPr id="91" name="Picture 90" descr="A close up of a logo&#10;&#10;Description automatically generated">
+            <a:extLst>
+              <a:ext uri="{FF2B5EF4-FFF2-40B4-BE49-F238E27FC236}">
+                <a16:creationId xmlns:a16="http://schemas.microsoft.com/office/drawing/2014/main" id="{B77DF326-546D-4EF4-8581-ACF5837C39EB}"/>
+              </a:ext>
+            </a:extLst>
+          </p:cNvPr>
+          <p:cNvPicPr>
+            <a:picLocks noChangeAspect="1"/>
+          </p:cNvPicPr>
+          <p:nvPr/>
+        </p:nvPicPr>
+        <p:blipFill>
+          <a:blip r:embed="rId28">
+            <a:extLst>
+              <a:ext uri="{28A0092B-C50C-407E-A947-70E740481C1C}">
+                <a14:useLocalDpi xmlns:a14="http://schemas.microsoft.com/office/drawing/2010/main" val="0"/>
+              </a:ext>
+            </a:extLst>
+          </a:blip>
+          <a:stretch>
+            <a:fillRect/>
+          </a:stretch>
+        </p:blipFill>
+        <p:spPr>
+          <a:xfrm>
+            <a:off x="6433954" y="5269948"/>
+            <a:ext cx="685896" cy="2172003"/>
+          </a:xfrm>
+          <a:prstGeom prst="rect">
+            <a:avLst/>
+          </a:prstGeom>
+        </p:spPr>
+      </p:pic>
+      <p:pic>
+        <p:nvPicPr>
+          <p:cNvPr id="92" name="Picture 91" descr="A close up of a logo&#10;&#10;Description automatically generated">
+            <a:extLst>
+              <a:ext uri="{FF2B5EF4-FFF2-40B4-BE49-F238E27FC236}">
+                <a16:creationId xmlns:a16="http://schemas.microsoft.com/office/drawing/2014/main" id="{1688D88F-617A-4F4C-A519-3AF0E1C099DD}"/>
+              </a:ext>
+            </a:extLst>
+          </p:cNvPr>
+          <p:cNvPicPr>
+            <a:picLocks noChangeAspect="1"/>
+          </p:cNvPicPr>
+          <p:nvPr/>
+        </p:nvPicPr>
+        <p:blipFill>
+          <a:blip r:embed="rId22">
+            <a:extLst>
+              <a:ext uri="{28A0092B-C50C-407E-A947-70E740481C1C}">
+                <a14:useLocalDpi xmlns:a14="http://schemas.microsoft.com/office/drawing/2010/main" val="0"/>
+              </a:ext>
+            </a:extLst>
+          </a:blip>
+          <a:stretch>
+            <a:fillRect/>
+          </a:stretch>
+        </p:blipFill>
+        <p:spPr>
+          <a:xfrm>
+            <a:off x="5550218" y="934372"/>
+            <a:ext cx="3481387" cy="3481387"/>
+          </a:xfrm>
+          <a:prstGeom prst="rect">
+            <a:avLst/>
+          </a:prstGeom>
+        </p:spPr>
+      </p:pic>
     </p:spTree>
     <p:extLst>
       <p:ext uri="{BB962C8B-B14F-4D97-AF65-F5344CB8AC3E}">
